--- a/design_generation_service/templates/Sunset.pptx
+++ b/design_generation_service/templates/Sunset.pptx
@@ -964,7 +964,7 @@
         </p:blipFill>
         <p:spPr>
           <a:xfrm>
-            <a:off x="-1106574" y="-2010588"/>
+            <a:off x="-1007720" y="-2999129"/>
             <a:ext cx="22441723" cy="17006618"/>
           </a:xfrm>
           <a:prstGeom prst="rect">
@@ -994,7 +994,7 @@
         </p:nvSpPr>
         <p:spPr>
           <a:xfrm>
-            <a:off x="1952368" y="1843087"/>
+            <a:off x="1952368" y="978114"/>
             <a:ext cx="14828107" cy="1114426"/>
           </a:xfrm>
         </p:spPr>
@@ -1040,8 +1040,8 @@
         </p:nvSpPr>
         <p:spPr>
           <a:xfrm>
-            <a:off x="1952368" y="3100388"/>
-            <a:ext cx="14828108" cy="6018898"/>
+            <a:off x="1952368" y="2273644"/>
+            <a:ext cx="14828108" cy="6170270"/>
           </a:xfrm>
         </p:spPr>
         <p:txBody>
@@ -1255,7 +1255,7 @@
         </p:nvSpPr>
         <p:spPr>
           <a:xfrm>
-            <a:off x="600074" y="667265"/>
+            <a:off x="600074" y="469557"/>
             <a:ext cx="9334757" cy="1193095"/>
           </a:xfrm>
         </p:spPr>
@@ -1299,8 +1299,8 @@
         </p:nvSpPr>
         <p:spPr>
           <a:xfrm>
-            <a:off x="600075" y="2125851"/>
-            <a:ext cx="9334756" cy="7289997"/>
+            <a:off x="600075" y="1860361"/>
+            <a:ext cx="9334756" cy="7555488"/>
           </a:xfrm>
         </p:spPr>
         <p:txBody>
@@ -1840,35 +1840,60 @@
             <a:normAutofit/>
           </a:bodyPr>
           <a:lstStyle>
-            <a:lvl1pPr>
+            <a:lvl1pPr marL="457200" indent="-431800">
+              <a:buClr>
+                <a:schemeClr val="bg1"/>
+              </a:buClr>
+              <a:buFont typeface="Arial" panose="020B0604020202020204" pitchFamily="34" charset="0"/>
+              <a:buChar char="•"/>
               <a:defRPr sz="3600">
                 <a:solidFill>
                   <a:schemeClr val="bg1"/>
                 </a:solidFill>
               </a:defRPr>
             </a:lvl1pPr>
-            <a:lvl2pPr>
+            <a:lvl2pPr marL="914400" indent="-406400">
+              <a:buClr>
+                <a:schemeClr val="bg1"/>
+              </a:buClr>
+              <a:buFont typeface="Arial" panose="020B0604020202020204" pitchFamily="34" charset="0"/>
+              <a:buChar char="•"/>
               <a:defRPr sz="3600">
                 <a:solidFill>
                   <a:schemeClr val="bg1"/>
                 </a:solidFill>
               </a:defRPr>
             </a:lvl2pPr>
-            <a:lvl3pPr>
+            <a:lvl3pPr marL="1371600" indent="-381000">
+              <a:buClr>
+                <a:schemeClr val="bg1"/>
+              </a:buClr>
+              <a:buFont typeface="Arial" panose="020B0604020202020204" pitchFamily="34" charset="0"/>
+              <a:buChar char="•"/>
               <a:defRPr sz="3600">
                 <a:solidFill>
                   <a:schemeClr val="bg1"/>
                 </a:solidFill>
               </a:defRPr>
             </a:lvl3pPr>
-            <a:lvl4pPr>
+            <a:lvl4pPr marL="1828800" indent="-355600">
+              <a:buClr>
+                <a:schemeClr val="bg1"/>
+              </a:buClr>
+              <a:buFont typeface="Arial" panose="020B0604020202020204" pitchFamily="34" charset="0"/>
+              <a:buChar char="•"/>
               <a:defRPr sz="3600">
                 <a:solidFill>
                   <a:schemeClr val="bg1"/>
                 </a:solidFill>
               </a:defRPr>
             </a:lvl4pPr>
-            <a:lvl5pPr>
+            <a:lvl5pPr marL="2286000" indent="-355600">
+              <a:buClr>
+                <a:schemeClr val="bg1"/>
+              </a:buClr>
+              <a:buFont typeface="Arial" panose="020B0604020202020204" pitchFamily="34" charset="0"/>
+              <a:buChar char="•"/>
               <a:defRPr sz="3600">
                 <a:solidFill>
                   <a:schemeClr val="bg1"/>
@@ -2262,8 +2287,8 @@
         </p:nvSpPr>
         <p:spPr>
           <a:xfrm>
-            <a:off x="3327068" y="1764399"/>
-            <a:ext cx="8229600" cy="688976"/>
+            <a:off x="1408670" y="1754659"/>
+            <a:ext cx="10147998" cy="698716"/>
           </a:xfrm>
         </p:spPr>
         <p:txBody>
@@ -2272,7 +2297,7 @@
           </a:bodyPr>
           <a:lstStyle>
             <a:lvl1pPr algn="l">
-              <a:defRPr sz="4000" b="1">
+              <a:defRPr sz="4800" b="1">
                 <a:solidFill>
                   <a:schemeClr val="bg1"/>
                 </a:solidFill>
@@ -2306,8 +2331,8 @@
         </p:nvSpPr>
         <p:spPr>
           <a:xfrm>
-            <a:off x="3327068" y="2571642"/>
-            <a:ext cx="8243887" cy="6300788"/>
+            <a:off x="1422958" y="2571642"/>
+            <a:ext cx="10147998" cy="6300788"/>
           </a:xfrm>
         </p:spPr>
         <p:txBody>
@@ -2315,36 +2340,61 @@
             <a:normAutofit/>
           </a:bodyPr>
           <a:lstStyle>
-            <a:lvl1pPr>
-              <a:defRPr sz="2000">
+            <a:lvl1pPr marL="457200" indent="-431800">
+              <a:buClr>
+                <a:schemeClr val="bg1"/>
+              </a:buClr>
+              <a:buFont typeface="Arial" panose="020B0604020202020204" pitchFamily="34" charset="0"/>
+              <a:buChar char="•"/>
+              <a:defRPr sz="3600">
                 <a:solidFill>
                   <a:schemeClr val="bg1"/>
                 </a:solidFill>
               </a:defRPr>
             </a:lvl1pPr>
-            <a:lvl2pPr>
-              <a:defRPr sz="2000">
+            <a:lvl2pPr marL="914400" indent="-406400">
+              <a:buClr>
+                <a:schemeClr val="bg1"/>
+              </a:buClr>
+              <a:buFont typeface="Arial" panose="020B0604020202020204" pitchFamily="34" charset="0"/>
+              <a:buChar char="•"/>
+              <a:defRPr sz="3600">
                 <a:solidFill>
                   <a:schemeClr val="bg1"/>
                 </a:solidFill>
               </a:defRPr>
             </a:lvl2pPr>
-            <a:lvl3pPr>
-              <a:defRPr sz="2000">
+            <a:lvl3pPr marL="1371600" indent="-381000">
+              <a:buClr>
+                <a:schemeClr val="bg1"/>
+              </a:buClr>
+              <a:buFont typeface="Arial" panose="020B0604020202020204" pitchFamily="34" charset="0"/>
+              <a:buChar char="•"/>
+              <a:defRPr sz="3600">
                 <a:solidFill>
                   <a:schemeClr val="bg1"/>
                 </a:solidFill>
               </a:defRPr>
             </a:lvl3pPr>
-            <a:lvl4pPr>
-              <a:defRPr sz="2000">
+            <a:lvl4pPr marL="1828800" indent="-355600">
+              <a:buClr>
+                <a:schemeClr val="bg1"/>
+              </a:buClr>
+              <a:buFont typeface="Arial" panose="020B0604020202020204" pitchFamily="34" charset="0"/>
+              <a:buChar char="•"/>
+              <a:defRPr sz="3600">
                 <a:solidFill>
                   <a:schemeClr val="bg1"/>
                 </a:solidFill>
               </a:defRPr>
             </a:lvl4pPr>
-            <a:lvl5pPr>
-              <a:defRPr sz="2000">
+            <a:lvl5pPr marL="2286000" indent="-355600">
+              <a:buClr>
+                <a:schemeClr val="bg1"/>
+              </a:buClr>
+              <a:buFont typeface="Arial" panose="020B0604020202020204" pitchFamily="34" charset="0"/>
+              <a:buChar char="•"/>
+              <a:defRPr sz="3600">
                 <a:solidFill>
                   <a:schemeClr val="bg1"/>
                 </a:solidFill>
